--- a/#3_VB.Net.pptx
+++ b/#3_VB.Net.pptx
@@ -3378,7 +3378,7 @@
           <a:p>
             <a:fld id="{18E9A1B5-1BE4-4CD6-80C4-143959F034D3}" type="datetimeFigureOut">
               <a:rPr lang="en-US" smtClean="0"/>
-              <a:t>5/23/2022</a:t>
+              <a:t>5/27/2022</a:t>
             </a:fld>
             <a:endParaRPr lang="en-US" dirty="0"/>
           </a:p>
@@ -3555,7 +3555,7 @@
           <a:p>
             <a:fld id="{D8E6120A-21AF-4F12-ABAA-66A70823631B}" type="datetimeFigureOut">
               <a:rPr lang="en-US" smtClean="0"/>
-              <a:t>5/23/2022</a:t>
+              <a:t>5/27/2022</a:t>
             </a:fld>
             <a:endParaRPr lang="en-US" dirty="0"/>
           </a:p>
@@ -5033,7 +5033,7 @@
           <a:p>
             <a:fld id="{EF63B152-7103-4FFE-90AC-D94EB7F44A7E}" type="datetimeFigureOut">
               <a:rPr lang="en-US" smtClean="0"/>
-              <a:t>5/23/2022</a:t>
+              <a:t>5/27/2022</a:t>
             </a:fld>
             <a:endParaRPr lang="en-US" dirty="0"/>
           </a:p>
@@ -5271,7 +5271,7 @@
           <a:p>
             <a:fld id="{EF63B152-7103-4FFE-90AC-D94EB7F44A7E}" type="datetimeFigureOut">
               <a:rPr lang="en-US" smtClean="0"/>
-              <a:t>5/23/2022</a:t>
+              <a:t>5/27/2022</a:t>
             </a:fld>
             <a:endParaRPr lang="en-US" dirty="0"/>
           </a:p>
@@ -5451,7 +5451,7 @@
           <a:p>
             <a:fld id="{EF63B152-7103-4FFE-90AC-D94EB7F44A7E}" type="datetimeFigureOut">
               <a:rPr lang="en-US" smtClean="0"/>
-              <a:t>5/23/2022</a:t>
+              <a:t>5/27/2022</a:t>
             </a:fld>
             <a:endParaRPr lang="en-US" dirty="0"/>
           </a:p>
@@ -5621,7 +5621,7 @@
           <a:p>
             <a:fld id="{EF63B152-7103-4FFE-90AC-D94EB7F44A7E}" type="datetimeFigureOut">
               <a:rPr lang="en-US" smtClean="0"/>
-              <a:t>5/23/2022</a:t>
+              <a:t>5/27/2022</a:t>
             </a:fld>
             <a:endParaRPr lang="en-US" dirty="0"/>
           </a:p>
@@ -5897,7 +5897,7 @@
           <a:p>
             <a:fld id="{EF63B152-7103-4FFE-90AC-D94EB7F44A7E}" type="datetimeFigureOut">
               <a:rPr lang="en-US" smtClean="0"/>
-              <a:t>5/23/2022</a:t>
+              <a:t>5/27/2022</a:t>
             </a:fld>
             <a:endParaRPr lang="en-US" dirty="0"/>
           </a:p>
@@ -7098,7 +7098,7 @@
           <a:p>
             <a:fld id="{EF63B152-7103-4FFE-90AC-D94EB7F44A7E}" type="datetimeFigureOut">
               <a:rPr lang="en-US" smtClean="0"/>
-              <a:t>5/23/2022</a:t>
+              <a:t>5/27/2022</a:t>
             </a:fld>
             <a:endParaRPr lang="en-US" dirty="0"/>
           </a:p>
@@ -7488,7 +7488,7 @@
           <a:p>
             <a:fld id="{EF63B152-7103-4FFE-90AC-D94EB7F44A7E}" type="datetimeFigureOut">
               <a:rPr lang="en-US" smtClean="0"/>
-              <a:t>5/23/2022</a:t>
+              <a:t>5/27/2022</a:t>
             </a:fld>
             <a:endParaRPr lang="en-US" dirty="0"/>
           </a:p>
@@ -7611,7 +7611,7 @@
           <a:p>
             <a:fld id="{EF63B152-7103-4FFE-90AC-D94EB7F44A7E}" type="datetimeFigureOut">
               <a:rPr lang="en-US" smtClean="0"/>
-              <a:t>5/23/2022</a:t>
+              <a:t>5/27/2022</a:t>
             </a:fld>
             <a:endParaRPr lang="en-US" dirty="0"/>
           </a:p>
@@ -7706,7 +7706,7 @@
           <a:p>
             <a:fld id="{EF63B152-7103-4FFE-90AC-D94EB7F44A7E}" type="datetimeFigureOut">
               <a:rPr lang="en-US" smtClean="0"/>
-              <a:t>5/23/2022</a:t>
+              <a:t>5/27/2022</a:t>
             </a:fld>
             <a:endParaRPr lang="en-US" dirty="0"/>
           </a:p>
@@ -8469,7 +8469,7 @@
           <a:p>
             <a:fld id="{EF63B152-7103-4FFE-90AC-D94EB7F44A7E}" type="datetimeFigureOut">
               <a:rPr lang="en-US" smtClean="0"/>
-              <a:t>5/23/2022</a:t>
+              <a:t>5/27/2022</a:t>
             </a:fld>
             <a:endParaRPr lang="en-US" dirty="0"/>
           </a:p>
@@ -9309,7 +9309,7 @@
           <a:p>
             <a:fld id="{EF63B152-7103-4FFE-90AC-D94EB7F44A7E}" type="datetimeFigureOut">
               <a:rPr lang="en-US" smtClean="0"/>
-              <a:t>5/23/2022</a:t>
+              <a:t>5/27/2022</a:t>
             </a:fld>
             <a:endParaRPr lang="en-US" dirty="0"/>
           </a:p>
@@ -9536,7 +9536,7 @@
           <a:p>
             <a:fld id="{EF63B152-7103-4FFE-90AC-D94EB7F44A7E}" type="datetimeFigureOut">
               <a:rPr lang="en-US" smtClean="0"/>
-              <a:t>5/23/2022</a:t>
+              <a:t>5/27/2022</a:t>
             </a:fld>
             <a:endParaRPr lang="en-US" dirty="0"/>
           </a:p>
@@ -10606,15 +10606,22 @@
               <a:t>Instructor </a:t>
             </a:r>
             <a:r>
-              <a:rPr lang="en-IN" sz="2800" dirty="0"/>
+              <a:rPr lang="en-IN" sz="2800"/>
               <a:t>:  </a:t>
+            </a:r>
+            <a:r>
+              <a:rPr lang="en-IN" sz="2800" b="1" i="1">
+                <a:latin typeface="Times New Roman" pitchFamily="18" charset="0"/>
+                <a:cs typeface="Times New Roman" pitchFamily="18" charset="0"/>
+              </a:rPr>
+              <a:t>Anirudha </a:t>
             </a:r>
             <a:r>
               <a:rPr lang="en-IN" sz="2800" b="1" i="1" dirty="0">
                 <a:latin typeface="Times New Roman" pitchFamily="18" charset="0"/>
                 <a:cs typeface="Times New Roman" pitchFamily="18" charset="0"/>
               </a:rPr>
-              <a:t>Anirudh Gaikwad</a:t>
+              <a:t>Gaikwad</a:t>
             </a:r>
           </a:p>
           <a:p>
